--- a/slides/Claude-Skills-for-Intelligent-Textbooks.pptx
+++ b/slides/Claude-Skills-for-Intelligent-Textbooks.pptx
@@ -7,6 +7,19 @@
   <p:sldIdLst>
     <p:sldId id="256" r:id="rId2"/>
     <p:sldId id="257" r:id="rId3"/>
+    <p:sldId id="259" r:id="rId4"/>
+    <p:sldId id="258" r:id="rId5"/>
+    <p:sldId id="260" r:id="rId6"/>
+    <p:sldId id="261" r:id="rId7"/>
+    <p:sldId id="262" r:id="rId8"/>
+    <p:sldId id="265" r:id="rId9"/>
+    <p:sldId id="264" r:id="rId10"/>
+    <p:sldId id="263" r:id="rId11"/>
+    <p:sldId id="266" r:id="rId12"/>
+    <p:sldId id="267" r:id="rId13"/>
+    <p:sldId id="268" r:id="rId14"/>
+    <p:sldId id="269" r:id="rId15"/>
+    <p:sldId id="270" r:id="rId16"/>
   </p:sldIdLst>
   <p:sldSz cx="12192000" cy="6858000"/>
   <p:notesSz cx="6858000" cy="9144000"/>
@@ -105,6 +118,11 @@
       </a:defRPr>
     </a:lvl9pPr>
   </p:defaultTextStyle>
+  <p:extLst>
+    <p:ext uri="{EFAFB233-063F-42B5-8137-9DF3F51BA10A}">
+      <p15:sldGuideLst xmlns:p15="http://schemas.microsoft.com/office/powerpoint/2012/main"/>
+    </p:ext>
+  </p:extLst>
 </p:presentation>
 </file>
 
@@ -255,7 +273,7 @@
           <a:p>
             <a:fld id="{35BA0419-7847-124E-9E85-7E8739FD7FC0}" type="datetimeFigureOut">
               <a:rPr lang="en-US" smtClean="0"/>
-              <a:t>11/1/25</a:t>
+              <a:t>12/1/25</a:t>
             </a:fld>
             <a:endParaRPr lang="en-US"/>
           </a:p>
@@ -453,7 +471,7 @@
           <a:p>
             <a:fld id="{35BA0419-7847-124E-9E85-7E8739FD7FC0}" type="datetimeFigureOut">
               <a:rPr lang="en-US" smtClean="0"/>
-              <a:t>11/1/25</a:t>
+              <a:t>12/1/25</a:t>
             </a:fld>
             <a:endParaRPr lang="en-US"/>
           </a:p>
@@ -661,7 +679,7 @@
           <a:p>
             <a:fld id="{35BA0419-7847-124E-9E85-7E8739FD7FC0}" type="datetimeFigureOut">
               <a:rPr lang="en-US" smtClean="0"/>
-              <a:t>11/1/25</a:t>
+              <a:t>12/1/25</a:t>
             </a:fld>
             <a:endParaRPr lang="en-US"/>
           </a:p>
@@ -859,7 +877,7 @@
           <a:p>
             <a:fld id="{35BA0419-7847-124E-9E85-7E8739FD7FC0}" type="datetimeFigureOut">
               <a:rPr lang="en-US" smtClean="0"/>
-              <a:t>11/1/25</a:t>
+              <a:t>12/1/25</a:t>
             </a:fld>
             <a:endParaRPr lang="en-US"/>
           </a:p>
@@ -1134,7 +1152,7 @@
           <a:p>
             <a:fld id="{35BA0419-7847-124E-9E85-7E8739FD7FC0}" type="datetimeFigureOut">
               <a:rPr lang="en-US" smtClean="0"/>
-              <a:t>11/1/25</a:t>
+              <a:t>12/1/25</a:t>
             </a:fld>
             <a:endParaRPr lang="en-US"/>
           </a:p>
@@ -1399,7 +1417,7 @@
           <a:p>
             <a:fld id="{35BA0419-7847-124E-9E85-7E8739FD7FC0}" type="datetimeFigureOut">
               <a:rPr lang="en-US" smtClean="0"/>
-              <a:t>11/1/25</a:t>
+              <a:t>12/1/25</a:t>
             </a:fld>
             <a:endParaRPr lang="en-US"/>
           </a:p>
@@ -1811,7 +1829,7 @@
           <a:p>
             <a:fld id="{35BA0419-7847-124E-9E85-7E8739FD7FC0}" type="datetimeFigureOut">
               <a:rPr lang="en-US" smtClean="0"/>
-              <a:t>11/1/25</a:t>
+              <a:t>12/1/25</a:t>
             </a:fld>
             <a:endParaRPr lang="en-US"/>
           </a:p>
@@ -1952,7 +1970,7 @@
           <a:p>
             <a:fld id="{35BA0419-7847-124E-9E85-7E8739FD7FC0}" type="datetimeFigureOut">
               <a:rPr lang="en-US" smtClean="0"/>
-              <a:t>11/1/25</a:t>
+              <a:t>12/1/25</a:t>
             </a:fld>
             <a:endParaRPr lang="en-US"/>
           </a:p>
@@ -2065,7 +2083,7 @@
           <a:p>
             <a:fld id="{35BA0419-7847-124E-9E85-7E8739FD7FC0}" type="datetimeFigureOut">
               <a:rPr lang="en-US" smtClean="0"/>
-              <a:t>11/1/25</a:t>
+              <a:t>12/1/25</a:t>
             </a:fld>
             <a:endParaRPr lang="en-US"/>
           </a:p>
@@ -2376,7 +2394,7 @@
           <a:p>
             <a:fld id="{35BA0419-7847-124E-9E85-7E8739FD7FC0}" type="datetimeFigureOut">
               <a:rPr lang="en-US" smtClean="0"/>
-              <a:t>11/1/25</a:t>
+              <a:t>12/1/25</a:t>
             </a:fld>
             <a:endParaRPr lang="en-US"/>
           </a:p>
@@ -2664,7 +2682,7 @@
           <a:p>
             <a:fld id="{35BA0419-7847-124E-9E85-7E8739FD7FC0}" type="datetimeFigureOut">
               <a:rPr lang="en-US" smtClean="0"/>
-              <a:t>11/1/25</a:t>
+              <a:t>12/1/25</a:t>
             </a:fld>
             <a:endParaRPr lang="en-US"/>
           </a:p>
@@ -2905,7 +2923,7 @@
           <a:p>
             <a:fld id="{35BA0419-7847-124E-9E85-7E8739FD7FC0}" type="datetimeFigureOut">
               <a:rPr lang="en-US" smtClean="0"/>
-              <a:t>11/1/25</a:t>
+              <a:t>12/1/25</a:t>
             </a:fld>
             <a:endParaRPr lang="en-US"/>
           </a:p>
@@ -3376,12 +3394,701 @@
               <a:t>Dan McCreary</a:t>
             </a:r>
           </a:p>
+          <a:p>
+            <a:r>
+              <a:rPr lang="en-US" dirty="0"/>
+              <a:t>December 1</a:t>
+            </a:r>
+            <a:r>
+              <a:rPr lang="en-US" baseline="30000" dirty="0"/>
+              <a:t>st</a:t>
+            </a:r>
+            <a:r>
+              <a:rPr lang="en-US" dirty="0"/>
+              <a:t>, 2025</a:t>
+            </a:r>
+          </a:p>
         </p:txBody>
       </p:sp>
     </p:spTree>
     <p:extLst>
       <p:ext uri="{BB962C8B-B14F-4D97-AF65-F5344CB8AC3E}">
         <p14:creationId xmlns:p14="http://schemas.microsoft.com/office/powerpoint/2010/main" val="301195755"/>
+      </p:ext>
+    </p:extLst>
+  </p:cSld>
+  <p:clrMapOvr>
+    <a:masterClrMapping/>
+  </p:clrMapOvr>
+</p:sld>
+</file>
+
+<file path=ppt/slides/slide10.xml><?xml version="1.0" encoding="utf-8"?>
+<p:sld xmlns:a="http://schemas.openxmlformats.org/drawingml/2006/main" xmlns:r="http://schemas.openxmlformats.org/officeDocument/2006/relationships" xmlns:p="http://schemas.openxmlformats.org/presentationml/2006/main">
+  <p:cSld>
+    <p:spTree>
+      <p:nvGrpSpPr>
+        <p:cNvPr id="1" name=""/>
+        <p:cNvGrpSpPr/>
+        <p:nvPr/>
+      </p:nvGrpSpPr>
+      <p:grpSpPr>
+        <a:xfrm>
+          <a:off x="0" y="0"/>
+          <a:ext cx="0" cy="0"/>
+          <a:chOff x="0" y="0"/>
+          <a:chExt cx="0" cy="0"/>
+        </a:xfrm>
+      </p:grpSpPr>
+      <p:sp>
+        <p:nvSpPr>
+          <p:cNvPr id="2" name="Title 1">
+            <a:extLst>
+              <a:ext uri="{FF2B5EF4-FFF2-40B4-BE49-F238E27FC236}">
+                <a16:creationId xmlns:a16="http://schemas.microsoft.com/office/drawing/2014/main" id="{E66BC6EC-AD37-E0C0-D1EA-7E2DF7A11F5D}"/>
+              </a:ext>
+            </a:extLst>
+          </p:cNvPr>
+          <p:cNvSpPr>
+            <a:spLocks noGrp="1"/>
+          </p:cNvSpPr>
+          <p:nvPr>
+            <p:ph type="title"/>
+          </p:nvPr>
+        </p:nvSpPr>
+        <p:spPr>
+          <a:xfrm>
+            <a:off x="331573" y="340411"/>
+            <a:ext cx="4363995" cy="1325563"/>
+          </a:xfrm>
+        </p:spPr>
+        <p:txBody>
+          <a:bodyPr/>
+          <a:lstStyle/>
+          <a:p>
+            <a:r>
+              <a:rPr lang="en-US" dirty="0"/>
+              <a:t>Knowledge Graph </a:t>
+            </a:r>
+            <a:br>
+              <a:rPr lang="en-US" dirty="0"/>
+            </a:br>
+            <a:r>
+              <a:rPr lang="en-US" dirty="0"/>
+              <a:t>Quality</a:t>
+            </a:r>
+          </a:p>
+        </p:txBody>
+      </p:sp>
+      <p:pic>
+        <p:nvPicPr>
+          <p:cNvPr id="5" name="Picture 4" descr="A screenshot of a diagram&#10;&#10;AI-generated content may be incorrect.">
+            <a:extLst>
+              <a:ext uri="{FF2B5EF4-FFF2-40B4-BE49-F238E27FC236}">
+                <a16:creationId xmlns:a16="http://schemas.microsoft.com/office/drawing/2014/main" id="{820CAC6E-D64E-28FE-D540-5CBB5FC5B5C8}"/>
+              </a:ext>
+            </a:extLst>
+          </p:cNvPr>
+          <p:cNvPicPr>
+            <a:picLocks noChangeAspect="1"/>
+          </p:cNvPicPr>
+          <p:nvPr/>
+        </p:nvPicPr>
+        <p:blipFill>
+          <a:blip r:embed="rId2"/>
+          <a:stretch>
+            <a:fillRect/>
+          </a:stretch>
+        </p:blipFill>
+        <p:spPr>
+          <a:xfrm>
+            <a:off x="5003830" y="185353"/>
+            <a:ext cx="6500311" cy="6410528"/>
+          </a:xfrm>
+          <a:prstGeom prst="rect">
+            <a:avLst/>
+          </a:prstGeom>
+        </p:spPr>
+      </p:pic>
+    </p:spTree>
+    <p:extLst>
+      <p:ext uri="{BB962C8B-B14F-4D97-AF65-F5344CB8AC3E}">
+        <p14:creationId xmlns:p14="http://schemas.microsoft.com/office/powerpoint/2010/main" val="1616944368"/>
+      </p:ext>
+    </p:extLst>
+  </p:cSld>
+  <p:clrMapOvr>
+    <a:masterClrMapping/>
+  </p:clrMapOvr>
+</p:sld>
+</file>
+
+<file path=ppt/slides/slide11.xml><?xml version="1.0" encoding="utf-8"?>
+<p:sld xmlns:a="http://schemas.openxmlformats.org/drawingml/2006/main" xmlns:r="http://schemas.openxmlformats.org/officeDocument/2006/relationships" xmlns:p="http://schemas.openxmlformats.org/presentationml/2006/main">
+  <p:cSld>
+    <p:spTree>
+      <p:nvGrpSpPr>
+        <p:cNvPr id="1" name=""/>
+        <p:cNvGrpSpPr/>
+        <p:nvPr/>
+      </p:nvGrpSpPr>
+      <p:grpSpPr>
+        <a:xfrm>
+          <a:off x="0" y="0"/>
+          <a:ext cx="0" cy="0"/>
+          <a:chOff x="0" y="0"/>
+          <a:chExt cx="0" cy="0"/>
+        </a:xfrm>
+      </p:grpSpPr>
+      <p:sp>
+        <p:nvSpPr>
+          <p:cNvPr id="2" name="Title 1">
+            <a:extLst>
+              <a:ext uri="{FF2B5EF4-FFF2-40B4-BE49-F238E27FC236}">
+                <a16:creationId xmlns:a16="http://schemas.microsoft.com/office/drawing/2014/main" id="{A37E475B-D04D-A435-F76A-C7D914D49317}"/>
+              </a:ext>
+            </a:extLst>
+          </p:cNvPr>
+          <p:cNvSpPr>
+            <a:spLocks noGrp="1"/>
+          </p:cNvSpPr>
+          <p:nvPr>
+            <p:ph type="title"/>
+          </p:nvPr>
+        </p:nvSpPr>
+        <p:spPr>
+          <a:xfrm>
+            <a:off x="294503" y="290984"/>
+            <a:ext cx="10515600" cy="524561"/>
+          </a:xfrm>
+        </p:spPr>
+        <p:txBody>
+          <a:bodyPr>
+            <a:normAutofit fontScale="90000"/>
+          </a:bodyPr>
+          <a:lstStyle/>
+          <a:p>
+            <a:r>
+              <a:rPr lang="en-US" dirty="0"/>
+              <a:t>Concept Dependency (Enablement)</a:t>
+            </a:r>
+          </a:p>
+        </p:txBody>
+      </p:sp>
+      <p:pic>
+        <p:nvPicPr>
+          <p:cNvPr id="5" name="Picture 4" descr="A diagram of a diagram&#10;&#10;AI-generated content may be incorrect.">
+            <a:extLst>
+              <a:ext uri="{FF2B5EF4-FFF2-40B4-BE49-F238E27FC236}">
+                <a16:creationId xmlns:a16="http://schemas.microsoft.com/office/drawing/2014/main" id="{14DBD81E-34D7-9CF7-556D-4411AD079766}"/>
+              </a:ext>
+            </a:extLst>
+          </p:cNvPr>
+          <p:cNvPicPr>
+            <a:picLocks noChangeAspect="1"/>
+          </p:cNvPicPr>
+          <p:nvPr/>
+        </p:nvPicPr>
+        <p:blipFill>
+          <a:blip r:embed="rId2"/>
+          <a:stretch>
+            <a:fillRect/>
+          </a:stretch>
+        </p:blipFill>
+        <p:spPr>
+          <a:xfrm>
+            <a:off x="308919" y="960286"/>
+            <a:ext cx="11475865" cy="5601152"/>
+          </a:xfrm>
+          <a:prstGeom prst="rect">
+            <a:avLst/>
+          </a:prstGeom>
+        </p:spPr>
+      </p:pic>
+    </p:spTree>
+    <p:extLst>
+      <p:ext uri="{BB962C8B-B14F-4D97-AF65-F5344CB8AC3E}">
+        <p14:creationId xmlns:p14="http://schemas.microsoft.com/office/powerpoint/2010/main" val="1307735658"/>
+      </p:ext>
+    </p:extLst>
+  </p:cSld>
+  <p:clrMapOvr>
+    <a:masterClrMapping/>
+  </p:clrMapOvr>
+</p:sld>
+</file>
+
+<file path=ppt/slides/slide12.xml><?xml version="1.0" encoding="utf-8"?>
+<p:sld xmlns:a="http://schemas.openxmlformats.org/drawingml/2006/main" xmlns:r="http://schemas.openxmlformats.org/officeDocument/2006/relationships" xmlns:p="http://schemas.openxmlformats.org/presentationml/2006/main">
+  <p:cSld>
+    <p:spTree>
+      <p:nvGrpSpPr>
+        <p:cNvPr id="1" name=""/>
+        <p:cNvGrpSpPr/>
+        <p:nvPr/>
+      </p:nvGrpSpPr>
+      <p:grpSpPr>
+        <a:xfrm>
+          <a:off x="0" y="0"/>
+          <a:ext cx="0" cy="0"/>
+          <a:chOff x="0" y="0"/>
+          <a:chExt cx="0" cy="0"/>
+        </a:xfrm>
+      </p:grpSpPr>
+      <p:sp>
+        <p:nvSpPr>
+          <p:cNvPr id="2" name="Title 1">
+            <a:extLst>
+              <a:ext uri="{FF2B5EF4-FFF2-40B4-BE49-F238E27FC236}">
+                <a16:creationId xmlns:a16="http://schemas.microsoft.com/office/drawing/2014/main" id="{1173031C-9D96-BE90-43F5-A8C855759679}"/>
+              </a:ext>
+            </a:extLst>
+          </p:cNvPr>
+          <p:cNvSpPr>
+            <a:spLocks noGrp="1"/>
+          </p:cNvSpPr>
+          <p:nvPr>
+            <p:ph type="title"/>
+          </p:nvPr>
+        </p:nvSpPr>
+        <p:spPr/>
+        <p:txBody>
+          <a:bodyPr/>
+          <a:lstStyle/>
+          <a:p>
+            <a:r>
+              <a:rPr lang="en-US" dirty="0"/>
+              <a:t>Chapter Structure</a:t>
+            </a:r>
+          </a:p>
+        </p:txBody>
+      </p:sp>
+      <p:pic>
+        <p:nvPicPr>
+          <p:cNvPr id="5" name="Picture 4" descr="A diagram of a diagram&#10;&#10;AI-generated content may be incorrect.">
+            <a:extLst>
+              <a:ext uri="{FF2B5EF4-FFF2-40B4-BE49-F238E27FC236}">
+                <a16:creationId xmlns:a16="http://schemas.microsoft.com/office/drawing/2014/main" id="{DF0A7CA9-47A2-E5C9-1DB5-050CCF03653D}"/>
+              </a:ext>
+            </a:extLst>
+          </p:cNvPr>
+          <p:cNvPicPr>
+            <a:picLocks noChangeAspect="1"/>
+          </p:cNvPicPr>
+          <p:nvPr/>
+        </p:nvPicPr>
+        <p:blipFill>
+          <a:blip r:embed="rId2"/>
+          <a:stretch>
+            <a:fillRect/>
+          </a:stretch>
+        </p:blipFill>
+        <p:spPr>
+          <a:xfrm>
+            <a:off x="518984" y="1858444"/>
+            <a:ext cx="10899664" cy="4752420"/>
+          </a:xfrm>
+          <a:prstGeom prst="rect">
+            <a:avLst/>
+          </a:prstGeom>
+        </p:spPr>
+      </p:pic>
+    </p:spTree>
+    <p:extLst>
+      <p:ext uri="{BB962C8B-B14F-4D97-AF65-F5344CB8AC3E}">
+        <p14:creationId xmlns:p14="http://schemas.microsoft.com/office/powerpoint/2010/main" val="1143533649"/>
+      </p:ext>
+    </p:extLst>
+  </p:cSld>
+  <p:clrMapOvr>
+    <a:masterClrMapping/>
+  </p:clrMapOvr>
+</p:sld>
+</file>
+
+<file path=ppt/slides/slide13.xml><?xml version="1.0" encoding="utf-8"?>
+<p:sld xmlns:a="http://schemas.openxmlformats.org/drawingml/2006/main" xmlns:r="http://schemas.openxmlformats.org/officeDocument/2006/relationships" xmlns:p="http://schemas.openxmlformats.org/presentationml/2006/main">
+  <p:cSld>
+    <p:spTree>
+      <p:nvGrpSpPr>
+        <p:cNvPr id="1" name=""/>
+        <p:cNvGrpSpPr/>
+        <p:nvPr/>
+      </p:nvGrpSpPr>
+      <p:grpSpPr>
+        <a:xfrm>
+          <a:off x="0" y="0"/>
+          <a:ext cx="0" cy="0"/>
+          <a:chOff x="0" y="0"/>
+          <a:chExt cx="0" cy="0"/>
+        </a:xfrm>
+      </p:grpSpPr>
+      <p:sp>
+        <p:nvSpPr>
+          <p:cNvPr id="2" name="Title 1">
+            <a:extLst>
+              <a:ext uri="{FF2B5EF4-FFF2-40B4-BE49-F238E27FC236}">
+                <a16:creationId xmlns:a16="http://schemas.microsoft.com/office/drawing/2014/main" id="{F8A23269-EE27-47B0-7431-6BB530660361}"/>
+              </a:ext>
+            </a:extLst>
+          </p:cNvPr>
+          <p:cNvSpPr>
+            <a:spLocks noGrp="1"/>
+          </p:cNvSpPr>
+          <p:nvPr>
+            <p:ph type="title"/>
+          </p:nvPr>
+        </p:nvSpPr>
+        <p:spPr>
+          <a:xfrm>
+            <a:off x="232719" y="247135"/>
+            <a:ext cx="10515600" cy="788645"/>
+          </a:xfrm>
+        </p:spPr>
+        <p:txBody>
+          <a:bodyPr>
+            <a:normAutofit fontScale="90000"/>
+          </a:bodyPr>
+          <a:lstStyle/>
+          <a:p>
+            <a:r>
+              <a:rPr lang="en-US" dirty="0"/>
+              <a:t>Chapter Content </a:t>
+            </a:r>
+            <a:br>
+              <a:rPr lang="en-US" dirty="0"/>
+            </a:br>
+            <a:r>
+              <a:rPr lang="en-US" dirty="0"/>
+              <a:t>Generation</a:t>
+            </a:r>
+          </a:p>
+        </p:txBody>
+      </p:sp>
+      <p:sp>
+        <p:nvSpPr>
+          <p:cNvPr id="3" name="Content Placeholder 2">
+            <a:extLst>
+              <a:ext uri="{FF2B5EF4-FFF2-40B4-BE49-F238E27FC236}">
+                <a16:creationId xmlns:a16="http://schemas.microsoft.com/office/drawing/2014/main" id="{001C4E1C-438D-BD34-30B5-215C480680E8}"/>
+              </a:ext>
+            </a:extLst>
+          </p:cNvPr>
+          <p:cNvSpPr>
+            <a:spLocks noGrp="1"/>
+          </p:cNvSpPr>
+          <p:nvPr>
+            <p:ph idx="1"/>
+          </p:nvPr>
+        </p:nvSpPr>
+        <p:spPr>
+          <a:xfrm>
+            <a:off x="541638" y="1627917"/>
+            <a:ext cx="4030362" cy="2116180"/>
+          </a:xfrm>
+        </p:spPr>
+        <p:txBody>
+          <a:bodyPr>
+            <a:normAutofit lnSpcReduction="10000"/>
+          </a:bodyPr>
+          <a:lstStyle/>
+          <a:p>
+            <a:r>
+              <a:rPr lang="en-US" dirty="0"/>
+              <a:t>Rules to break up the “Wall of Text”</a:t>
+            </a:r>
+          </a:p>
+          <a:p>
+            <a:r>
+              <a:rPr lang="en-US" dirty="0"/>
+              <a:t>Placement of lists, tables, callouts, admonitions</a:t>
+            </a:r>
+          </a:p>
+          <a:p>
+            <a:endParaRPr lang="en-US" dirty="0"/>
+          </a:p>
+        </p:txBody>
+      </p:sp>
+      <p:pic>
+        <p:nvPicPr>
+          <p:cNvPr id="5" name="Picture 4" descr="A screenshot of a computer&#10;&#10;AI-generated content may be incorrect.">
+            <a:extLst>
+              <a:ext uri="{FF2B5EF4-FFF2-40B4-BE49-F238E27FC236}">
+                <a16:creationId xmlns:a16="http://schemas.microsoft.com/office/drawing/2014/main" id="{4FD9CA38-89DF-91E4-16E2-2C2B7AD039DC}"/>
+              </a:ext>
+            </a:extLst>
+          </p:cNvPr>
+          <p:cNvPicPr>
+            <a:picLocks noChangeAspect="1"/>
+          </p:cNvPicPr>
+          <p:nvPr/>
+        </p:nvPicPr>
+        <p:blipFill>
+          <a:blip r:embed="rId2"/>
+          <a:stretch>
+            <a:fillRect/>
+          </a:stretch>
+        </p:blipFill>
+        <p:spPr>
+          <a:xfrm>
+            <a:off x="4761090" y="222420"/>
+            <a:ext cx="7332056" cy="6172485"/>
+          </a:xfrm>
+          <a:prstGeom prst="rect">
+            <a:avLst/>
+          </a:prstGeom>
+        </p:spPr>
+      </p:pic>
+    </p:spTree>
+    <p:extLst>
+      <p:ext uri="{BB962C8B-B14F-4D97-AF65-F5344CB8AC3E}">
+        <p14:creationId xmlns:p14="http://schemas.microsoft.com/office/powerpoint/2010/main" val="3576151120"/>
+      </p:ext>
+    </p:extLst>
+  </p:cSld>
+  <p:clrMapOvr>
+    <a:masterClrMapping/>
+  </p:clrMapOvr>
+</p:sld>
+</file>
+
+<file path=ppt/slides/slide14.xml><?xml version="1.0" encoding="utf-8"?>
+<p:sld xmlns:a="http://schemas.openxmlformats.org/drawingml/2006/main" xmlns:r="http://schemas.openxmlformats.org/officeDocument/2006/relationships" xmlns:p="http://schemas.openxmlformats.org/presentationml/2006/main">
+  <p:cSld>
+    <p:spTree>
+      <p:nvGrpSpPr>
+        <p:cNvPr id="1" name=""/>
+        <p:cNvGrpSpPr/>
+        <p:nvPr/>
+      </p:nvGrpSpPr>
+      <p:grpSpPr>
+        <a:xfrm>
+          <a:off x="0" y="0"/>
+          <a:ext cx="0" cy="0"/>
+          <a:chOff x="0" y="0"/>
+          <a:chExt cx="0" cy="0"/>
+        </a:xfrm>
+      </p:grpSpPr>
+      <p:sp>
+        <p:nvSpPr>
+          <p:cNvPr id="2" name="Title 1">
+            <a:extLst>
+              <a:ext uri="{FF2B5EF4-FFF2-40B4-BE49-F238E27FC236}">
+                <a16:creationId xmlns:a16="http://schemas.microsoft.com/office/drawing/2014/main" id="{186617F5-BCB8-D835-F632-06380FC6039D}"/>
+              </a:ext>
+            </a:extLst>
+          </p:cNvPr>
+          <p:cNvSpPr>
+            <a:spLocks noGrp="1"/>
+          </p:cNvSpPr>
+          <p:nvPr>
+            <p:ph type="title"/>
+          </p:nvPr>
+        </p:nvSpPr>
+        <p:spPr/>
+        <p:txBody>
+          <a:bodyPr/>
+          <a:lstStyle/>
+          <a:p>
+            <a:r>
+              <a:rPr lang="en-US" dirty="0"/>
+              <a:t>Supplementary Content</a:t>
+            </a:r>
+          </a:p>
+        </p:txBody>
+      </p:sp>
+      <p:sp>
+        <p:nvSpPr>
+          <p:cNvPr id="3" name="Content Placeholder 2">
+            <a:extLst>
+              <a:ext uri="{FF2B5EF4-FFF2-40B4-BE49-F238E27FC236}">
+                <a16:creationId xmlns:a16="http://schemas.microsoft.com/office/drawing/2014/main" id="{DD8B0FC3-25AD-CE21-56E0-FB154A717013}"/>
+              </a:ext>
+            </a:extLst>
+          </p:cNvPr>
+          <p:cNvSpPr>
+            <a:spLocks noGrp="1"/>
+          </p:cNvSpPr>
+          <p:nvPr>
+            <p:ph idx="1"/>
+          </p:nvPr>
+        </p:nvSpPr>
+        <p:spPr>
+          <a:xfrm>
+            <a:off x="838200" y="1825625"/>
+            <a:ext cx="3622589" cy="4351338"/>
+          </a:xfrm>
+        </p:spPr>
+        <p:txBody>
+          <a:bodyPr/>
+          <a:lstStyle/>
+          <a:p>
+            <a:r>
+              <a:rPr lang="en-US" dirty="0"/>
+              <a:t>Glossary</a:t>
+            </a:r>
+          </a:p>
+          <a:p>
+            <a:r>
+              <a:rPr lang="en-US" dirty="0"/>
+              <a:t>FAQ</a:t>
+            </a:r>
+          </a:p>
+          <a:p>
+            <a:r>
+              <a:rPr lang="en-US" dirty="0"/>
+              <a:t>Quizzes</a:t>
+            </a:r>
+          </a:p>
+          <a:p>
+            <a:r>
+              <a:rPr lang="en-US" dirty="0"/>
+              <a:t>References</a:t>
+            </a:r>
+          </a:p>
+          <a:p>
+            <a:r>
+              <a:rPr lang="en-US" dirty="0"/>
+              <a:t>Book Metrics</a:t>
+            </a:r>
+          </a:p>
+          <a:p>
+            <a:r>
+              <a:rPr lang="en-US" dirty="0"/>
+              <a:t>Announcements</a:t>
+            </a:r>
+          </a:p>
+        </p:txBody>
+      </p:sp>
+    </p:spTree>
+    <p:extLst>
+      <p:ext uri="{BB962C8B-B14F-4D97-AF65-F5344CB8AC3E}">
+        <p14:creationId xmlns:p14="http://schemas.microsoft.com/office/powerpoint/2010/main" val="2466016431"/>
+      </p:ext>
+    </p:extLst>
+  </p:cSld>
+  <p:clrMapOvr>
+    <a:masterClrMapping/>
+  </p:clrMapOvr>
+</p:sld>
+</file>
+
+<file path=ppt/slides/slide15.xml><?xml version="1.0" encoding="utf-8"?>
+<p:sld xmlns:a="http://schemas.openxmlformats.org/drawingml/2006/main" xmlns:r="http://schemas.openxmlformats.org/officeDocument/2006/relationships" xmlns:p="http://schemas.openxmlformats.org/presentationml/2006/main">
+  <p:cSld>
+    <p:spTree>
+      <p:nvGrpSpPr>
+        <p:cNvPr id="1" name=""/>
+        <p:cNvGrpSpPr/>
+        <p:nvPr/>
+      </p:nvGrpSpPr>
+      <p:grpSpPr>
+        <a:xfrm>
+          <a:off x="0" y="0"/>
+          <a:ext cx="0" cy="0"/>
+          <a:chOff x="0" y="0"/>
+          <a:chExt cx="0" cy="0"/>
+        </a:xfrm>
+      </p:grpSpPr>
+      <p:sp>
+        <p:nvSpPr>
+          <p:cNvPr id="2" name="Title 1">
+            <a:extLst>
+              <a:ext uri="{FF2B5EF4-FFF2-40B4-BE49-F238E27FC236}">
+                <a16:creationId xmlns:a16="http://schemas.microsoft.com/office/drawing/2014/main" id="{22ADCAEF-4A2E-0D11-50F2-C0075D7F5DB1}"/>
+              </a:ext>
+            </a:extLst>
+          </p:cNvPr>
+          <p:cNvSpPr>
+            <a:spLocks noGrp="1"/>
+          </p:cNvSpPr>
+          <p:nvPr>
+            <p:ph type="title"/>
+          </p:nvPr>
+        </p:nvSpPr>
+        <p:spPr>
+          <a:xfrm>
+            <a:off x="282146" y="377483"/>
+            <a:ext cx="10515600" cy="660486"/>
+          </a:xfrm>
+        </p:spPr>
+        <p:txBody>
+          <a:bodyPr>
+            <a:normAutofit fontScale="90000"/>
+          </a:bodyPr>
+          <a:lstStyle/>
+          <a:p>
+            <a:r>
+              <a:rPr lang="en-US" dirty="0"/>
+              <a:t>Wrap Up</a:t>
+            </a:r>
+          </a:p>
+        </p:txBody>
+      </p:sp>
+      <p:sp>
+        <p:nvSpPr>
+          <p:cNvPr id="3" name="Content Placeholder 2">
+            <a:extLst>
+              <a:ext uri="{FF2B5EF4-FFF2-40B4-BE49-F238E27FC236}">
+                <a16:creationId xmlns:a16="http://schemas.microsoft.com/office/drawing/2014/main" id="{518ACD20-05D9-FC94-02A8-D910D6FF6294}"/>
+              </a:ext>
+            </a:extLst>
+          </p:cNvPr>
+          <p:cNvSpPr>
+            <a:spLocks noGrp="1"/>
+          </p:cNvSpPr>
+          <p:nvPr>
+            <p:ph idx="1"/>
+          </p:nvPr>
+        </p:nvSpPr>
+        <p:spPr/>
+        <p:txBody>
+          <a:bodyPr>
+            <a:normAutofit lnSpcReduction="10000"/>
+          </a:bodyPr>
+          <a:lstStyle/>
+          <a:p>
+            <a:r>
+              <a:rPr lang="en-US" dirty="0"/>
+              <a:t>What did you like?</a:t>
+            </a:r>
+          </a:p>
+          <a:p>
+            <a:endParaRPr lang="en-US" dirty="0"/>
+          </a:p>
+          <a:p>
+            <a:endParaRPr lang="en-US" dirty="0"/>
+          </a:p>
+          <a:p>
+            <a:endParaRPr lang="en-US" dirty="0"/>
+          </a:p>
+          <a:p>
+            <a:r>
+              <a:rPr lang="en-US" dirty="0"/>
+              <a:t>What could we have done better?</a:t>
+            </a:r>
+          </a:p>
+          <a:p>
+            <a:endParaRPr lang="en-US" dirty="0"/>
+          </a:p>
+          <a:p>
+            <a:endParaRPr lang="en-US" dirty="0"/>
+          </a:p>
+          <a:p>
+            <a:endParaRPr lang="en-US" dirty="0"/>
+          </a:p>
+          <a:p>
+            <a:r>
+              <a:rPr lang="en-US" dirty="0"/>
+              <a:t>Would you like to be able to teach this workshop?  Audience?</a:t>
+            </a:r>
+          </a:p>
+        </p:txBody>
+      </p:sp>
+    </p:spTree>
+    <p:extLst>
+      <p:ext uri="{BB962C8B-B14F-4D97-AF65-F5344CB8AC3E}">
+        <p14:creationId xmlns:p14="http://schemas.microsoft.com/office/powerpoint/2010/main" val="4116803451"/>
       </p:ext>
     </p:extLst>
   </p:cSld>
@@ -3410,64 +4117,10 @@
       </p:grpSpPr>
       <p:sp>
         <p:nvSpPr>
-          <p:cNvPr id="2" name="Title 1">
-            <a:extLst>
-              <a:ext uri="{FF2B5EF4-FFF2-40B4-BE49-F238E27FC236}">
-                <a16:creationId xmlns:a16="http://schemas.microsoft.com/office/drawing/2014/main" id="{73DE26E1-4F78-BDF9-D47B-8F3420CBE867}"/>
-              </a:ext>
-            </a:extLst>
-          </p:cNvPr>
-          <p:cNvSpPr>
-            <a:spLocks noGrp="1"/>
-          </p:cNvSpPr>
-          <p:nvPr>
-            <p:ph type="title"/>
-          </p:nvPr>
-        </p:nvSpPr>
-        <p:spPr/>
-        <p:txBody>
-          <a:bodyPr/>
-          <a:lstStyle/>
-          <a:p>
-            <a:endParaRPr lang="en-US"/>
-          </a:p>
-        </p:txBody>
-      </p:sp>
-      <p:pic>
-        <p:nvPicPr>
-          <p:cNvPr id="5" name="Content Placeholder 4" descr="A blurry orange sunburst&#10;&#10;AI-generated content may be incorrect.">
-            <a:extLst>
-              <a:ext uri="{FF2B5EF4-FFF2-40B4-BE49-F238E27FC236}">
-                <a16:creationId xmlns:a16="http://schemas.microsoft.com/office/drawing/2014/main" id="{98F85952-A681-9C77-8A0F-44B7FDAA81DF}"/>
-              </a:ext>
-            </a:extLst>
-          </p:cNvPr>
-          <p:cNvPicPr>
-            <a:picLocks noGrp="1" noChangeAspect="1"/>
-          </p:cNvPicPr>
-          <p:nvPr>
-            <p:ph idx="1"/>
-          </p:nvPr>
-        </p:nvPicPr>
-        <p:blipFill>
-          <a:blip r:embed="rId2"/>
-          <a:stretch>
-            <a:fillRect/>
-          </a:stretch>
-        </p:blipFill>
-        <p:spPr>
-          <a:xfrm>
-            <a:off x="4556555" y="2758066"/>
-            <a:ext cx="2202592" cy="2307477"/>
-          </a:xfrm>
-        </p:spPr>
-      </p:pic>
-      <p:sp>
-        <p:nvSpPr>
-          <p:cNvPr id="6" name="Rectangle 5">
-            <a:extLst>
-              <a:ext uri="{FF2B5EF4-FFF2-40B4-BE49-F238E27FC236}">
-                <a16:creationId xmlns:a16="http://schemas.microsoft.com/office/drawing/2014/main" id="{5B878949-BFFC-0548-2762-8F806132FF10}"/>
+          <p:cNvPr id="7" name="Rounded Rectangle 6">
+            <a:extLst>
+              <a:ext uri="{FF2B5EF4-FFF2-40B4-BE49-F238E27FC236}">
+                <a16:creationId xmlns:a16="http://schemas.microsoft.com/office/drawing/2014/main" id="{E7A79C7D-42EA-C222-7EA9-B61D81C52F25}"/>
               </a:ext>
             </a:extLst>
           </p:cNvPr>
@@ -3476,14 +4129,14 @@
         </p:nvSpPr>
         <p:spPr>
           <a:xfrm>
-            <a:off x="8340811" y="2631989"/>
-            <a:ext cx="1586960" cy="1618735"/>
-          </a:xfrm>
-          <a:prstGeom prst="rect">
+            <a:off x="2583272" y="329656"/>
+            <a:ext cx="6716111" cy="1145627"/>
+          </a:xfrm>
+          <a:prstGeom prst="roundRect">
             <a:avLst/>
           </a:prstGeom>
           <a:solidFill>
-            <a:srgbClr val="DA7857"/>
+            <a:schemeClr val="bg1"/>
           </a:solidFill>
         </p:spPr>
         <p:style>
@@ -3507,14 +4160,1090 @@
           <a:lstStyle/>
           <a:p>
             <a:pPr algn="ctr"/>
-            <a:endParaRPr lang="en-US"/>
-          </a:p>
-        </p:txBody>
-      </p:sp>
+            <a:r>
+              <a:rPr lang="en-US" sz="5400" dirty="0">
+                <a:solidFill>
+                  <a:schemeClr val="tx1"/>
+                </a:solidFill>
+              </a:rPr>
+              <a:t>Course Description</a:t>
+            </a:r>
+          </a:p>
+        </p:txBody>
+      </p:sp>
+      <p:pic>
+        <p:nvPicPr>
+          <p:cNvPr id="1026" name="Picture 2">
+            <a:extLst>
+              <a:ext uri="{FF2B5EF4-FFF2-40B4-BE49-F238E27FC236}">
+                <a16:creationId xmlns:a16="http://schemas.microsoft.com/office/drawing/2014/main" id="{CC3307A1-E4C5-D9D7-3710-70EBE6E38471}"/>
+              </a:ext>
+            </a:extLst>
+          </p:cNvPr>
+          <p:cNvPicPr>
+            <a:picLocks noChangeAspect="1" noChangeArrowheads="1"/>
+          </p:cNvPicPr>
+          <p:nvPr/>
+        </p:nvPicPr>
+        <p:blipFill>
+          <a:blip r:embed="rId2">
+            <a:extLst>
+              <a:ext uri="{28A0092B-C50C-407E-A947-70E740481C1C}">
+                <a14:useLocalDpi xmlns:a14="http://schemas.microsoft.com/office/drawing/2010/main" val="0"/>
+              </a:ext>
+            </a:extLst>
+          </a:blip>
+          <a:srcRect/>
+          <a:stretch>
+            <a:fillRect/>
+          </a:stretch>
+        </p:blipFill>
+        <p:spPr bwMode="auto">
+          <a:xfrm>
+            <a:off x="3462682" y="2014829"/>
+            <a:ext cx="4957291" cy="2569290"/>
+          </a:xfrm>
+          <a:prstGeom prst="rect">
+            <a:avLst/>
+          </a:prstGeom>
+          <a:noFill/>
+          <a:extLst>
+            <a:ext uri="{909E8E84-426E-40DD-AFC4-6F175D3DCCD1}">
+              <a14:hiddenFill xmlns:a14="http://schemas.microsoft.com/office/drawing/2010/main">
+                <a:solidFill>
+                  <a:srgbClr val="FFFFFF"/>
+                </a:solidFill>
+              </a14:hiddenFill>
+            </a:ext>
+          </a:extLst>
+        </p:spPr>
+      </p:pic>
+      <p:sp>
+        <p:nvSpPr>
+          <p:cNvPr id="8" name="Rounded Rectangle 7">
+            <a:extLst>
+              <a:ext uri="{FF2B5EF4-FFF2-40B4-BE49-F238E27FC236}">
+                <a16:creationId xmlns:a16="http://schemas.microsoft.com/office/drawing/2014/main" id="{50C8B2F7-A4E4-6DF3-94F3-361697B5FF02}"/>
+              </a:ext>
+            </a:extLst>
+          </p:cNvPr>
+          <p:cNvSpPr/>
+          <p:nvPr/>
+        </p:nvSpPr>
+        <p:spPr>
+          <a:xfrm>
+            <a:off x="2583272" y="5350619"/>
+            <a:ext cx="6716111" cy="1145627"/>
+          </a:xfrm>
+          <a:prstGeom prst="roundRect">
+            <a:avLst/>
+          </a:prstGeom>
+          <a:solidFill>
+            <a:schemeClr val="bg1"/>
+          </a:solidFill>
+        </p:spPr>
+        <p:style>
+          <a:lnRef idx="2">
+            <a:schemeClr val="accent1">
+              <a:shade val="15000"/>
+            </a:schemeClr>
+          </a:lnRef>
+          <a:fillRef idx="1">
+            <a:schemeClr val="accent1"/>
+          </a:fillRef>
+          <a:effectRef idx="0">
+            <a:schemeClr val="accent1"/>
+          </a:effectRef>
+          <a:fontRef idx="minor">
+            <a:schemeClr val="lt1"/>
+          </a:fontRef>
+        </p:style>
+        <p:txBody>
+          <a:bodyPr rtlCol="0" anchor="ctr"/>
+          <a:lstStyle/>
+          <a:p>
+            <a:pPr algn="ctr"/>
+            <a:r>
+              <a:rPr lang="en-US" sz="5400" dirty="0">
+                <a:solidFill>
+                  <a:schemeClr val="tx1"/>
+                </a:solidFill>
+              </a:rPr>
+              <a:t>Intelligent Textbook</a:t>
+            </a:r>
+          </a:p>
+        </p:txBody>
+      </p:sp>
+      <p:cxnSp>
+        <p:nvCxnSpPr>
+          <p:cNvPr id="10" name="Straight Arrow Connector 9">
+            <a:extLst>
+              <a:ext uri="{FF2B5EF4-FFF2-40B4-BE49-F238E27FC236}">
+                <a16:creationId xmlns:a16="http://schemas.microsoft.com/office/drawing/2014/main" id="{59EA74CD-C46C-2154-315A-6623141089BA}"/>
+              </a:ext>
+            </a:extLst>
+          </p:cNvPr>
+          <p:cNvCxnSpPr>
+            <a:stCxn id="7" idx="2"/>
+            <a:endCxn id="1026" idx="0"/>
+          </p:cNvCxnSpPr>
+          <p:nvPr/>
+        </p:nvCxnSpPr>
+        <p:spPr>
+          <a:xfrm>
+            <a:off x="5941328" y="1475283"/>
+            <a:ext cx="0" cy="539546"/>
+          </a:xfrm>
+          <a:prstGeom prst="straightConnector1">
+            <a:avLst/>
+          </a:prstGeom>
+          <a:ln w="76200">
+            <a:solidFill>
+              <a:schemeClr val="accent1"/>
+            </a:solidFill>
+            <a:tailEnd type="triangle"/>
+          </a:ln>
+        </p:spPr>
+        <p:style>
+          <a:lnRef idx="2">
+            <a:schemeClr val="accent1"/>
+          </a:lnRef>
+          <a:fillRef idx="0">
+            <a:schemeClr val="accent1"/>
+          </a:fillRef>
+          <a:effectRef idx="1">
+            <a:schemeClr val="accent1"/>
+          </a:effectRef>
+          <a:fontRef idx="minor">
+            <a:schemeClr val="tx1"/>
+          </a:fontRef>
+        </p:style>
+      </p:cxnSp>
+      <p:cxnSp>
+        <p:nvCxnSpPr>
+          <p:cNvPr id="11" name="Straight Arrow Connector 10">
+            <a:extLst>
+              <a:ext uri="{FF2B5EF4-FFF2-40B4-BE49-F238E27FC236}">
+                <a16:creationId xmlns:a16="http://schemas.microsoft.com/office/drawing/2014/main" id="{FD7B8077-CCC7-5B93-6FB4-9E6D48E5354F}"/>
+              </a:ext>
+            </a:extLst>
+          </p:cNvPr>
+          <p:cNvCxnSpPr>
+            <a:cxnSpLocks/>
+            <a:stCxn id="1026" idx="2"/>
+            <a:endCxn id="8" idx="0"/>
+          </p:cNvCxnSpPr>
+          <p:nvPr/>
+        </p:nvCxnSpPr>
+        <p:spPr>
+          <a:xfrm>
+            <a:off x="5941328" y="4584119"/>
+            <a:ext cx="0" cy="766500"/>
+          </a:xfrm>
+          <a:prstGeom prst="straightConnector1">
+            <a:avLst/>
+          </a:prstGeom>
+          <a:ln w="76200">
+            <a:solidFill>
+              <a:schemeClr val="accent1"/>
+            </a:solidFill>
+            <a:tailEnd type="triangle"/>
+          </a:ln>
+        </p:spPr>
+        <p:style>
+          <a:lnRef idx="2">
+            <a:schemeClr val="accent1"/>
+          </a:lnRef>
+          <a:fillRef idx="0">
+            <a:schemeClr val="accent1"/>
+          </a:fillRef>
+          <a:effectRef idx="1">
+            <a:schemeClr val="accent1"/>
+          </a:effectRef>
+          <a:fontRef idx="minor">
+            <a:schemeClr val="tx1"/>
+          </a:fontRef>
+        </p:style>
+      </p:cxnSp>
     </p:spTree>
     <p:extLst>
       <p:ext uri="{BB962C8B-B14F-4D97-AF65-F5344CB8AC3E}">
         <p14:creationId xmlns:p14="http://schemas.microsoft.com/office/powerpoint/2010/main" val="2924298785"/>
+      </p:ext>
+    </p:extLst>
+  </p:cSld>
+  <p:clrMapOvr>
+    <a:masterClrMapping/>
+  </p:clrMapOvr>
+</p:sld>
+</file>
+
+<file path=ppt/slides/slide3.xml><?xml version="1.0" encoding="utf-8"?>
+<p:sld xmlns:a="http://schemas.openxmlformats.org/drawingml/2006/main" xmlns:r="http://schemas.openxmlformats.org/officeDocument/2006/relationships" xmlns:p="http://schemas.openxmlformats.org/presentationml/2006/main">
+  <p:cSld>
+    <p:spTree>
+      <p:nvGrpSpPr>
+        <p:cNvPr id="1" name=""/>
+        <p:cNvGrpSpPr/>
+        <p:nvPr/>
+      </p:nvGrpSpPr>
+      <p:grpSpPr>
+        <a:xfrm>
+          <a:off x="0" y="0"/>
+          <a:ext cx="0" cy="0"/>
+          <a:chOff x="0" y="0"/>
+          <a:chExt cx="0" cy="0"/>
+        </a:xfrm>
+      </p:grpSpPr>
+      <p:sp>
+        <p:nvSpPr>
+          <p:cNvPr id="2" name="Title 1">
+            <a:extLst>
+              <a:ext uri="{FF2B5EF4-FFF2-40B4-BE49-F238E27FC236}">
+                <a16:creationId xmlns:a16="http://schemas.microsoft.com/office/drawing/2014/main" id="{5F1CEA23-ACA3-8210-7B4E-2832700C66C4}"/>
+              </a:ext>
+            </a:extLst>
+          </p:cNvPr>
+          <p:cNvSpPr>
+            <a:spLocks noGrp="1"/>
+          </p:cNvSpPr>
+          <p:nvPr>
+            <p:ph type="title"/>
+          </p:nvPr>
+        </p:nvSpPr>
+        <p:spPr>
+          <a:xfrm>
+            <a:off x="405713" y="278628"/>
+            <a:ext cx="10515600" cy="746983"/>
+          </a:xfrm>
+        </p:spPr>
+        <p:txBody>
+          <a:bodyPr/>
+          <a:lstStyle/>
+          <a:p>
+            <a:r>
+              <a:rPr lang="en-US" dirty="0"/>
+              <a:t>Five Levels of Intelligent Textbooks</a:t>
+            </a:r>
+          </a:p>
+        </p:txBody>
+      </p:sp>
+      <p:pic>
+        <p:nvPicPr>
+          <p:cNvPr id="5" name="Picture 4" descr="A diagram of text on a computer&#10;&#10;AI-generated content may be incorrect.">
+            <a:extLst>
+              <a:ext uri="{FF2B5EF4-FFF2-40B4-BE49-F238E27FC236}">
+                <a16:creationId xmlns:a16="http://schemas.microsoft.com/office/drawing/2014/main" id="{1D70AFF0-32AA-8771-4CE7-D28F540A7E39}"/>
+              </a:ext>
+            </a:extLst>
+          </p:cNvPr>
+          <p:cNvPicPr>
+            <a:picLocks noChangeAspect="1"/>
+          </p:cNvPicPr>
+          <p:nvPr/>
+        </p:nvPicPr>
+        <p:blipFill>
+          <a:blip r:embed="rId2"/>
+          <a:stretch>
+            <a:fillRect/>
+          </a:stretch>
+        </p:blipFill>
+        <p:spPr>
+          <a:xfrm>
+            <a:off x="702444" y="1266659"/>
+            <a:ext cx="9284704" cy="5001907"/>
+          </a:xfrm>
+          <a:prstGeom prst="rect">
+            <a:avLst/>
+          </a:prstGeom>
+        </p:spPr>
+      </p:pic>
+      <p:sp>
+        <p:nvSpPr>
+          <p:cNvPr id="6" name="Left Arrow 5">
+            <a:extLst>
+              <a:ext uri="{FF2B5EF4-FFF2-40B4-BE49-F238E27FC236}">
+                <a16:creationId xmlns:a16="http://schemas.microsoft.com/office/drawing/2014/main" id="{E0A5777A-F61B-9986-3909-16859AFEC62C}"/>
+              </a:ext>
+            </a:extLst>
+          </p:cNvPr>
+          <p:cNvSpPr/>
+          <p:nvPr/>
+        </p:nvSpPr>
+        <p:spPr>
+          <a:xfrm>
+            <a:off x="9919586" y="4355677"/>
+            <a:ext cx="1124465" cy="864973"/>
+          </a:xfrm>
+          <a:prstGeom prst="leftArrow">
+            <a:avLst/>
+          </a:prstGeom>
+        </p:spPr>
+        <p:style>
+          <a:lnRef idx="2">
+            <a:schemeClr val="accent1">
+              <a:shade val="15000"/>
+            </a:schemeClr>
+          </a:lnRef>
+          <a:fillRef idx="1">
+            <a:schemeClr val="accent1"/>
+          </a:fillRef>
+          <a:effectRef idx="0">
+            <a:schemeClr val="accent1"/>
+          </a:effectRef>
+          <a:fontRef idx="minor">
+            <a:schemeClr val="lt1"/>
+          </a:fontRef>
+        </p:style>
+        <p:txBody>
+          <a:bodyPr rtlCol="0" anchor="ctr"/>
+          <a:lstStyle/>
+          <a:p>
+            <a:pPr algn="ctr"/>
+            <a:r>
+              <a:rPr lang="en-US" dirty="0"/>
+              <a:t>Today</a:t>
+            </a:r>
+          </a:p>
+        </p:txBody>
+      </p:sp>
+    </p:spTree>
+    <p:extLst>
+      <p:ext uri="{BB962C8B-B14F-4D97-AF65-F5344CB8AC3E}">
+        <p14:creationId xmlns:p14="http://schemas.microsoft.com/office/powerpoint/2010/main" val="1537415756"/>
+      </p:ext>
+    </p:extLst>
+  </p:cSld>
+  <p:clrMapOvr>
+    <a:masterClrMapping/>
+  </p:clrMapOvr>
+</p:sld>
+</file>
+
+<file path=ppt/slides/slide4.xml><?xml version="1.0" encoding="utf-8"?>
+<p:sld xmlns:a="http://schemas.openxmlformats.org/drawingml/2006/main" xmlns:r="http://schemas.openxmlformats.org/officeDocument/2006/relationships" xmlns:p="http://schemas.openxmlformats.org/presentationml/2006/main">
+  <p:cSld>
+    <p:spTree>
+      <p:nvGrpSpPr>
+        <p:cNvPr id="1" name=""/>
+        <p:cNvGrpSpPr/>
+        <p:nvPr/>
+      </p:nvGrpSpPr>
+      <p:grpSpPr>
+        <a:xfrm>
+          <a:off x="0" y="0"/>
+          <a:ext cx="0" cy="0"/>
+          <a:chOff x="0" y="0"/>
+          <a:chExt cx="0" cy="0"/>
+        </a:xfrm>
+      </p:grpSpPr>
+      <p:sp>
+        <p:nvSpPr>
+          <p:cNvPr id="2" name="Title 1">
+            <a:extLst>
+              <a:ext uri="{FF2B5EF4-FFF2-40B4-BE49-F238E27FC236}">
+                <a16:creationId xmlns:a16="http://schemas.microsoft.com/office/drawing/2014/main" id="{E2685389-81DA-B29A-2083-CA73E4EFE8FC}"/>
+              </a:ext>
+            </a:extLst>
+          </p:cNvPr>
+          <p:cNvSpPr>
+            <a:spLocks noGrp="1"/>
+          </p:cNvSpPr>
+          <p:nvPr>
+            <p:ph type="title"/>
+          </p:nvPr>
+        </p:nvSpPr>
+        <p:spPr>
+          <a:xfrm>
+            <a:off x="256309" y="186995"/>
+            <a:ext cx="10515600" cy="1325563"/>
+          </a:xfrm>
+        </p:spPr>
+        <p:txBody>
+          <a:bodyPr/>
+          <a:lstStyle/>
+          <a:p>
+            <a:r>
+              <a:rPr lang="en-US" dirty="0"/>
+              <a:t>Bloom 2001 Taxonomy</a:t>
+            </a:r>
+          </a:p>
+        </p:txBody>
+      </p:sp>
+      <p:pic>
+        <p:nvPicPr>
+          <p:cNvPr id="5" name="Picture 4" descr="A rainbow pyramid with text&#10;&#10;AI-generated content may be incorrect.">
+            <a:extLst>
+              <a:ext uri="{FF2B5EF4-FFF2-40B4-BE49-F238E27FC236}">
+                <a16:creationId xmlns:a16="http://schemas.microsoft.com/office/drawing/2014/main" id="{4591B8CC-4CBA-54A5-31A8-C9CD9ED2D732}"/>
+              </a:ext>
+            </a:extLst>
+          </p:cNvPr>
+          <p:cNvPicPr>
+            <a:picLocks noChangeAspect="1"/>
+          </p:cNvPicPr>
+          <p:nvPr/>
+        </p:nvPicPr>
+        <p:blipFill>
+          <a:blip r:embed="rId2"/>
+          <a:stretch>
+            <a:fillRect/>
+          </a:stretch>
+        </p:blipFill>
+        <p:spPr>
+          <a:xfrm>
+            <a:off x="2447744" y="1328102"/>
+            <a:ext cx="6838759" cy="5253994"/>
+          </a:xfrm>
+          <a:prstGeom prst="rect">
+            <a:avLst/>
+          </a:prstGeom>
+        </p:spPr>
+      </p:pic>
+    </p:spTree>
+    <p:extLst>
+      <p:ext uri="{BB962C8B-B14F-4D97-AF65-F5344CB8AC3E}">
+        <p14:creationId xmlns:p14="http://schemas.microsoft.com/office/powerpoint/2010/main" val="4151743422"/>
+      </p:ext>
+    </p:extLst>
+  </p:cSld>
+  <p:clrMapOvr>
+    <a:masterClrMapping/>
+  </p:clrMapOvr>
+</p:sld>
+</file>
+
+<file path=ppt/slides/slide5.xml><?xml version="1.0" encoding="utf-8"?>
+<p:sld xmlns:a="http://schemas.openxmlformats.org/drawingml/2006/main" xmlns:r="http://schemas.openxmlformats.org/officeDocument/2006/relationships" xmlns:p="http://schemas.openxmlformats.org/presentationml/2006/main">
+  <p:cSld>
+    <p:spTree>
+      <p:nvGrpSpPr>
+        <p:cNvPr id="1" name=""/>
+        <p:cNvGrpSpPr/>
+        <p:nvPr/>
+      </p:nvGrpSpPr>
+      <p:grpSpPr>
+        <a:xfrm>
+          <a:off x="0" y="0"/>
+          <a:ext cx="0" cy="0"/>
+          <a:chOff x="0" y="0"/>
+          <a:chExt cx="0" cy="0"/>
+        </a:xfrm>
+      </p:grpSpPr>
+      <p:sp>
+        <p:nvSpPr>
+          <p:cNvPr id="2" name="Title 1">
+            <a:extLst>
+              <a:ext uri="{FF2B5EF4-FFF2-40B4-BE49-F238E27FC236}">
+                <a16:creationId xmlns:a16="http://schemas.microsoft.com/office/drawing/2014/main" id="{FF14DF61-5E69-7B17-8802-13285293D0FA}"/>
+              </a:ext>
+            </a:extLst>
+          </p:cNvPr>
+          <p:cNvSpPr>
+            <a:spLocks noGrp="1"/>
+          </p:cNvSpPr>
+          <p:nvPr>
+            <p:ph type="title"/>
+          </p:nvPr>
+        </p:nvSpPr>
+        <p:spPr>
+          <a:xfrm>
+            <a:off x="504567" y="303342"/>
+            <a:ext cx="10515600" cy="1325563"/>
+          </a:xfrm>
+        </p:spPr>
+        <p:txBody>
+          <a:bodyPr/>
+          <a:lstStyle/>
+          <a:p>
+            <a:r>
+              <a:rPr lang="en-US" dirty="0"/>
+              <a:t>Installation Dependency Graph</a:t>
+            </a:r>
+          </a:p>
+        </p:txBody>
+      </p:sp>
+      <p:pic>
+        <p:nvPicPr>
+          <p:cNvPr id="5" name="Picture 4" descr="A diagram of a computer program&#10;&#10;AI-generated content may be incorrect.">
+            <a:extLst>
+              <a:ext uri="{FF2B5EF4-FFF2-40B4-BE49-F238E27FC236}">
+                <a16:creationId xmlns:a16="http://schemas.microsoft.com/office/drawing/2014/main" id="{415F1B5C-2008-C843-6045-729DCDAC8985}"/>
+              </a:ext>
+            </a:extLst>
+          </p:cNvPr>
+          <p:cNvPicPr>
+            <a:picLocks noChangeAspect="1"/>
+          </p:cNvPicPr>
+          <p:nvPr/>
+        </p:nvPicPr>
+        <p:blipFill>
+          <a:blip r:embed="rId2"/>
+          <a:stretch>
+            <a:fillRect/>
+          </a:stretch>
+        </p:blipFill>
+        <p:spPr>
+          <a:xfrm>
+            <a:off x="0" y="1367447"/>
+            <a:ext cx="11947498" cy="5033353"/>
+          </a:xfrm>
+          <a:prstGeom prst="rect">
+            <a:avLst/>
+          </a:prstGeom>
+        </p:spPr>
+      </p:pic>
+    </p:spTree>
+    <p:extLst>
+      <p:ext uri="{BB962C8B-B14F-4D97-AF65-F5344CB8AC3E}">
+        <p14:creationId xmlns:p14="http://schemas.microsoft.com/office/powerpoint/2010/main" val="610613488"/>
+      </p:ext>
+    </p:extLst>
+  </p:cSld>
+  <p:clrMapOvr>
+    <a:masterClrMapping/>
+  </p:clrMapOvr>
+</p:sld>
+</file>
+
+<file path=ppt/slides/slide6.xml><?xml version="1.0" encoding="utf-8"?>
+<p:sld xmlns:a="http://schemas.openxmlformats.org/drawingml/2006/main" xmlns:r="http://schemas.openxmlformats.org/officeDocument/2006/relationships" xmlns:p="http://schemas.openxmlformats.org/presentationml/2006/main">
+  <p:cSld>
+    <p:spTree>
+      <p:nvGrpSpPr>
+        <p:cNvPr id="1" name=""/>
+        <p:cNvGrpSpPr/>
+        <p:nvPr/>
+      </p:nvGrpSpPr>
+      <p:grpSpPr>
+        <a:xfrm>
+          <a:off x="0" y="0"/>
+          <a:ext cx="0" cy="0"/>
+          <a:chOff x="0" y="0"/>
+          <a:chExt cx="0" cy="0"/>
+        </a:xfrm>
+      </p:grpSpPr>
+      <p:sp>
+        <p:nvSpPr>
+          <p:cNvPr id="2" name="Title 1">
+            <a:extLst>
+              <a:ext uri="{FF2B5EF4-FFF2-40B4-BE49-F238E27FC236}">
+                <a16:creationId xmlns:a16="http://schemas.microsoft.com/office/drawing/2014/main" id="{755473CC-C4B8-30DD-8237-991B1A7E642B}"/>
+              </a:ext>
+            </a:extLst>
+          </p:cNvPr>
+          <p:cNvSpPr>
+            <a:spLocks noGrp="1"/>
+          </p:cNvSpPr>
+          <p:nvPr>
+            <p:ph type="title"/>
+          </p:nvPr>
+        </p:nvSpPr>
+        <p:spPr>
+          <a:xfrm>
+            <a:off x="282146" y="204488"/>
+            <a:ext cx="10515600" cy="598702"/>
+          </a:xfrm>
+        </p:spPr>
+        <p:txBody>
+          <a:bodyPr>
+            <a:normAutofit fontScale="90000"/>
+          </a:bodyPr>
+          <a:lstStyle/>
+          <a:p>
+            <a:r>
+              <a:rPr lang="en-US" dirty="0"/>
+              <a:t>Book Build Workflow</a:t>
+            </a:r>
+          </a:p>
+        </p:txBody>
+      </p:sp>
+      <p:pic>
+        <p:nvPicPr>
+          <p:cNvPr id="5" name="Picture 4" descr="A diagram of a diagram&#10;&#10;AI-generated content may be incorrect.">
+            <a:extLst>
+              <a:ext uri="{FF2B5EF4-FFF2-40B4-BE49-F238E27FC236}">
+                <a16:creationId xmlns:a16="http://schemas.microsoft.com/office/drawing/2014/main" id="{7161F8E0-C5B4-4B43-4612-054710CCD7C7}"/>
+              </a:ext>
+            </a:extLst>
+          </p:cNvPr>
+          <p:cNvPicPr>
+            <a:picLocks noChangeAspect="1"/>
+          </p:cNvPicPr>
+          <p:nvPr/>
+        </p:nvPicPr>
+        <p:blipFill>
+          <a:blip r:embed="rId2"/>
+          <a:stretch>
+            <a:fillRect/>
+          </a:stretch>
+        </p:blipFill>
+        <p:spPr>
+          <a:xfrm>
+            <a:off x="1706262" y="778474"/>
+            <a:ext cx="3322938" cy="5733697"/>
+          </a:xfrm>
+          <a:prstGeom prst="rect">
+            <a:avLst/>
+          </a:prstGeom>
+        </p:spPr>
+      </p:pic>
+      <p:pic>
+        <p:nvPicPr>
+          <p:cNvPr id="7" name="Picture 6" descr="A diagram of a question&#10;&#10;AI-generated content may be incorrect.">
+            <a:extLst>
+              <a:ext uri="{FF2B5EF4-FFF2-40B4-BE49-F238E27FC236}">
+                <a16:creationId xmlns:a16="http://schemas.microsoft.com/office/drawing/2014/main" id="{B937FDE5-EF85-C749-FE41-7BB192DF8332}"/>
+              </a:ext>
+            </a:extLst>
+          </p:cNvPr>
+          <p:cNvPicPr>
+            <a:picLocks noChangeAspect="1"/>
+          </p:cNvPicPr>
+          <p:nvPr/>
+        </p:nvPicPr>
+        <p:blipFill>
+          <a:blip r:embed="rId3"/>
+          <a:stretch>
+            <a:fillRect/>
+          </a:stretch>
+        </p:blipFill>
+        <p:spPr>
+          <a:xfrm>
+            <a:off x="6281058" y="160638"/>
+            <a:ext cx="3068320" cy="6400800"/>
+          </a:xfrm>
+          <a:prstGeom prst="rect">
+            <a:avLst/>
+          </a:prstGeom>
+        </p:spPr>
+      </p:pic>
+    </p:spTree>
+    <p:extLst>
+      <p:ext uri="{BB962C8B-B14F-4D97-AF65-F5344CB8AC3E}">
+        <p14:creationId xmlns:p14="http://schemas.microsoft.com/office/powerpoint/2010/main" val="1616350961"/>
+      </p:ext>
+    </p:extLst>
+  </p:cSld>
+  <p:clrMapOvr>
+    <a:masterClrMapping/>
+  </p:clrMapOvr>
+</p:sld>
+</file>
+
+<file path=ppt/slides/slide7.xml><?xml version="1.0" encoding="utf-8"?>
+<p:sld xmlns:a="http://schemas.openxmlformats.org/drawingml/2006/main" xmlns:r="http://schemas.openxmlformats.org/officeDocument/2006/relationships" xmlns:p="http://schemas.openxmlformats.org/presentationml/2006/main">
+  <p:cSld>
+    <p:spTree>
+      <p:nvGrpSpPr>
+        <p:cNvPr id="1" name=""/>
+        <p:cNvGrpSpPr/>
+        <p:nvPr/>
+      </p:nvGrpSpPr>
+      <p:grpSpPr>
+        <a:xfrm>
+          <a:off x="0" y="0"/>
+          <a:ext cx="0" cy="0"/>
+          <a:chOff x="0" y="0"/>
+          <a:chExt cx="0" cy="0"/>
+        </a:xfrm>
+      </p:grpSpPr>
+      <p:sp>
+        <p:nvSpPr>
+          <p:cNvPr id="2" name="Title 1">
+            <a:extLst>
+              <a:ext uri="{FF2B5EF4-FFF2-40B4-BE49-F238E27FC236}">
+                <a16:creationId xmlns:a16="http://schemas.microsoft.com/office/drawing/2014/main" id="{120130B4-A891-3E4D-667F-FFD718475FA5}"/>
+              </a:ext>
+            </a:extLst>
+          </p:cNvPr>
+          <p:cNvSpPr>
+            <a:spLocks noGrp="1"/>
+          </p:cNvSpPr>
+          <p:nvPr>
+            <p:ph type="title"/>
+          </p:nvPr>
+        </p:nvSpPr>
+        <p:spPr>
+          <a:xfrm>
+            <a:off x="838200" y="365125"/>
+            <a:ext cx="4957119" cy="1325563"/>
+          </a:xfrm>
+        </p:spPr>
+        <p:txBody>
+          <a:bodyPr/>
+          <a:lstStyle/>
+          <a:p>
+            <a:r>
+              <a:rPr lang="en-US" dirty="0"/>
+              <a:t>Course Description</a:t>
+            </a:r>
+            <a:br>
+              <a:rPr lang="en-US" dirty="0"/>
+            </a:br>
+            <a:r>
+              <a:rPr lang="en-US" dirty="0"/>
+              <a:t>Quality</a:t>
+            </a:r>
+          </a:p>
+        </p:txBody>
+      </p:sp>
+      <p:pic>
+        <p:nvPicPr>
+          <p:cNvPr id="5" name="Picture 4" descr="A diagram of a quality score&#10;&#10;AI-generated content may be incorrect.">
+            <a:extLst>
+              <a:ext uri="{FF2B5EF4-FFF2-40B4-BE49-F238E27FC236}">
+                <a16:creationId xmlns:a16="http://schemas.microsoft.com/office/drawing/2014/main" id="{E8E85C3B-4003-5CCC-4852-BB86394A8BDE}"/>
+              </a:ext>
+            </a:extLst>
+          </p:cNvPr>
+          <p:cNvPicPr>
+            <a:picLocks noChangeAspect="1"/>
+          </p:cNvPicPr>
+          <p:nvPr/>
+        </p:nvPicPr>
+        <p:blipFill>
+          <a:blip r:embed="rId2"/>
+          <a:stretch>
+            <a:fillRect/>
+          </a:stretch>
+        </p:blipFill>
+        <p:spPr>
+          <a:xfrm>
+            <a:off x="6460391" y="272686"/>
+            <a:ext cx="4734831" cy="6424676"/>
+          </a:xfrm>
+          <a:prstGeom prst="rect">
+            <a:avLst/>
+          </a:prstGeom>
+        </p:spPr>
+      </p:pic>
+      <p:sp>
+        <p:nvSpPr>
+          <p:cNvPr id="6" name="TextBox 5">
+            <a:extLst>
+              <a:ext uri="{FF2B5EF4-FFF2-40B4-BE49-F238E27FC236}">
+                <a16:creationId xmlns:a16="http://schemas.microsoft.com/office/drawing/2014/main" id="{F678085B-57C5-4410-FD59-32E81C40172B}"/>
+              </a:ext>
+            </a:extLst>
+          </p:cNvPr>
+          <p:cNvSpPr txBox="1"/>
+          <p:nvPr/>
+        </p:nvSpPr>
+        <p:spPr>
+          <a:xfrm>
+            <a:off x="276823" y="6338534"/>
+            <a:ext cx="6277744" cy="369332"/>
+          </a:xfrm>
+          <a:prstGeom prst="rect">
+            <a:avLst/>
+          </a:prstGeom>
+          <a:noFill/>
+        </p:spPr>
+        <p:txBody>
+          <a:bodyPr wrap="none" rtlCol="0">
+            <a:spAutoFit/>
+          </a:bodyPr>
+          <a:lstStyle/>
+          <a:p>
+            <a:r>
+              <a:rPr lang="en-US" dirty="0"/>
+              <a:t>https://</a:t>
+            </a:r>
+            <a:r>
+              <a:rPr lang="en-US" dirty="0" err="1"/>
+              <a:t>dmccreary.github.io</a:t>
+            </a:r>
+            <a:r>
+              <a:rPr lang="en-US" dirty="0"/>
+              <a:t>/claude-skills/course-description/</a:t>
+            </a:r>
+          </a:p>
+        </p:txBody>
+      </p:sp>
+    </p:spTree>
+    <p:extLst>
+      <p:ext uri="{BB962C8B-B14F-4D97-AF65-F5344CB8AC3E}">
+        <p14:creationId xmlns:p14="http://schemas.microsoft.com/office/powerpoint/2010/main" val="3088572274"/>
+      </p:ext>
+    </p:extLst>
+  </p:cSld>
+  <p:clrMapOvr>
+    <a:masterClrMapping/>
+  </p:clrMapOvr>
+</p:sld>
+</file>
+
+<file path=ppt/slides/slide8.xml><?xml version="1.0" encoding="utf-8"?>
+<p:sld xmlns:a="http://schemas.openxmlformats.org/drawingml/2006/main" xmlns:r="http://schemas.openxmlformats.org/officeDocument/2006/relationships" xmlns:p="http://schemas.openxmlformats.org/presentationml/2006/main">
+  <p:cSld>
+    <p:spTree>
+      <p:nvGrpSpPr>
+        <p:cNvPr id="1" name=""/>
+        <p:cNvGrpSpPr/>
+        <p:nvPr/>
+      </p:nvGrpSpPr>
+      <p:grpSpPr>
+        <a:xfrm>
+          <a:off x="0" y="0"/>
+          <a:ext cx="0" cy="0"/>
+          <a:chOff x="0" y="0"/>
+          <a:chExt cx="0" cy="0"/>
+        </a:xfrm>
+      </p:grpSpPr>
+      <p:sp>
+        <p:nvSpPr>
+          <p:cNvPr id="2" name="Title 1">
+            <a:extLst>
+              <a:ext uri="{FF2B5EF4-FFF2-40B4-BE49-F238E27FC236}">
+                <a16:creationId xmlns:a16="http://schemas.microsoft.com/office/drawing/2014/main" id="{7E5AC5BF-7294-03A4-0602-1C4321000816}"/>
+              </a:ext>
+            </a:extLst>
+          </p:cNvPr>
+          <p:cNvSpPr>
+            <a:spLocks noGrp="1"/>
+          </p:cNvSpPr>
+          <p:nvPr>
+            <p:ph type="title"/>
+          </p:nvPr>
+        </p:nvSpPr>
+        <p:spPr>
+          <a:xfrm>
+            <a:off x="356286" y="315698"/>
+            <a:ext cx="4129216" cy="672843"/>
+          </a:xfrm>
+        </p:spPr>
+        <p:txBody>
+          <a:bodyPr>
+            <a:normAutofit fontScale="90000"/>
+          </a:bodyPr>
+          <a:lstStyle/>
+          <a:p>
+            <a:r>
+              <a:rPr lang="en-US" dirty="0"/>
+              <a:t>List of Concepts</a:t>
+            </a:r>
+          </a:p>
+        </p:txBody>
+      </p:sp>
+      <p:pic>
+        <p:nvPicPr>
+          <p:cNvPr id="5" name="Picture 4" descr="A screenshot of a phone&#10;&#10;AI-generated content may be incorrect.">
+            <a:extLst>
+              <a:ext uri="{FF2B5EF4-FFF2-40B4-BE49-F238E27FC236}">
+                <a16:creationId xmlns:a16="http://schemas.microsoft.com/office/drawing/2014/main" id="{CFE5D9F4-85CA-01D9-83BE-6FC096C1B90E}"/>
+              </a:ext>
+            </a:extLst>
+          </p:cNvPr>
+          <p:cNvPicPr>
+            <a:picLocks noChangeAspect="1"/>
+          </p:cNvPicPr>
+          <p:nvPr/>
+        </p:nvPicPr>
+        <p:blipFill>
+          <a:blip r:embed="rId2"/>
+          <a:stretch>
+            <a:fillRect/>
+          </a:stretch>
+        </p:blipFill>
+        <p:spPr>
+          <a:xfrm>
+            <a:off x="4092910" y="527489"/>
+            <a:ext cx="3863557" cy="5680074"/>
+          </a:xfrm>
+          <a:prstGeom prst="rect">
+            <a:avLst/>
+          </a:prstGeom>
+        </p:spPr>
+      </p:pic>
+      <p:sp>
+        <p:nvSpPr>
+          <p:cNvPr id="6" name="TextBox 5">
+            <a:extLst>
+              <a:ext uri="{FF2B5EF4-FFF2-40B4-BE49-F238E27FC236}">
+                <a16:creationId xmlns:a16="http://schemas.microsoft.com/office/drawing/2014/main" id="{71C69C99-AE79-D62B-008C-B1C519DD0059}"/>
+              </a:ext>
+            </a:extLst>
+          </p:cNvPr>
+          <p:cNvSpPr txBox="1"/>
+          <p:nvPr/>
+        </p:nvSpPr>
+        <p:spPr>
+          <a:xfrm>
+            <a:off x="285008" y="6329548"/>
+            <a:ext cx="7105278" cy="369332"/>
+          </a:xfrm>
+          <a:prstGeom prst="rect">
+            <a:avLst/>
+          </a:prstGeom>
+          <a:noFill/>
+        </p:spPr>
+        <p:txBody>
+          <a:bodyPr wrap="none" rtlCol="0">
+            <a:spAutoFit/>
+          </a:bodyPr>
+          <a:lstStyle/>
+          <a:p>
+            <a:r>
+              <a:rPr lang="en-US" dirty="0"/>
+              <a:t>https://</a:t>
+            </a:r>
+            <a:r>
+              <a:rPr lang="en-US" dirty="0" err="1"/>
+              <a:t>dmccreary.github.io</a:t>
+            </a:r>
+            <a:r>
+              <a:rPr lang="en-US" dirty="0"/>
+              <a:t>/claude-skills/learning-graph/concept-list/</a:t>
+            </a:r>
+          </a:p>
+        </p:txBody>
+      </p:sp>
+    </p:spTree>
+    <p:extLst>
+      <p:ext uri="{BB962C8B-B14F-4D97-AF65-F5344CB8AC3E}">
+        <p14:creationId xmlns:p14="http://schemas.microsoft.com/office/powerpoint/2010/main" val="2428380548"/>
+      </p:ext>
+    </p:extLst>
+  </p:cSld>
+  <p:clrMapOvr>
+    <a:masterClrMapping/>
+  </p:clrMapOvr>
+</p:sld>
+</file>
+
+<file path=ppt/slides/slide9.xml><?xml version="1.0" encoding="utf-8"?>
+<p:sld xmlns:a="http://schemas.openxmlformats.org/drawingml/2006/main" xmlns:r="http://schemas.openxmlformats.org/officeDocument/2006/relationships" xmlns:p="http://schemas.openxmlformats.org/presentationml/2006/main">
+  <p:cSld>
+    <p:spTree>
+      <p:nvGrpSpPr>
+        <p:cNvPr id="1" name=""/>
+        <p:cNvGrpSpPr/>
+        <p:nvPr/>
+      </p:nvGrpSpPr>
+      <p:grpSpPr>
+        <a:xfrm>
+          <a:off x="0" y="0"/>
+          <a:ext cx="0" cy="0"/>
+          <a:chOff x="0" y="0"/>
+          <a:chExt cx="0" cy="0"/>
+        </a:xfrm>
+      </p:grpSpPr>
+      <p:sp>
+        <p:nvSpPr>
+          <p:cNvPr id="2" name="Title 1">
+            <a:extLst>
+              <a:ext uri="{FF2B5EF4-FFF2-40B4-BE49-F238E27FC236}">
+                <a16:creationId xmlns:a16="http://schemas.microsoft.com/office/drawing/2014/main" id="{8C251668-E7B7-F308-B13A-B5FF3AC37732}"/>
+              </a:ext>
+            </a:extLst>
+          </p:cNvPr>
+          <p:cNvSpPr>
+            <a:spLocks noGrp="1"/>
+          </p:cNvSpPr>
+          <p:nvPr>
+            <p:ph type="title"/>
+          </p:nvPr>
+        </p:nvSpPr>
+        <p:spPr>
+          <a:xfrm>
+            <a:off x="158578" y="192130"/>
+            <a:ext cx="3956222" cy="808767"/>
+          </a:xfrm>
+        </p:spPr>
+        <p:txBody>
+          <a:bodyPr/>
+          <a:lstStyle/>
+          <a:p>
+            <a:r>
+              <a:rPr lang="en-US" dirty="0"/>
+              <a:t>Learning Graph</a:t>
+            </a:r>
+          </a:p>
+        </p:txBody>
+      </p:sp>
+      <p:pic>
+        <p:nvPicPr>
+          <p:cNvPr id="5" name="Picture 4" descr="A screenshot of a diagram&#10;&#10;AI-generated content may be incorrect.">
+            <a:extLst>
+              <a:ext uri="{FF2B5EF4-FFF2-40B4-BE49-F238E27FC236}">
+                <a16:creationId xmlns:a16="http://schemas.microsoft.com/office/drawing/2014/main" id="{095091D2-B985-F683-A3DA-8D089D41F6A9}"/>
+              </a:ext>
+            </a:extLst>
+          </p:cNvPr>
+          <p:cNvPicPr>
+            <a:picLocks noChangeAspect="1"/>
+          </p:cNvPicPr>
+          <p:nvPr/>
+        </p:nvPicPr>
+        <p:blipFill>
+          <a:blip r:embed="rId2"/>
+          <a:stretch>
+            <a:fillRect/>
+          </a:stretch>
+        </p:blipFill>
+        <p:spPr>
+          <a:xfrm>
+            <a:off x="2229788" y="926000"/>
+            <a:ext cx="7374141" cy="5341443"/>
+          </a:xfrm>
+          <a:prstGeom prst="rect">
+            <a:avLst/>
+          </a:prstGeom>
+        </p:spPr>
+      </p:pic>
+      <p:sp>
+        <p:nvSpPr>
+          <p:cNvPr id="6" name="TextBox 5">
+            <a:extLst>
+              <a:ext uri="{FF2B5EF4-FFF2-40B4-BE49-F238E27FC236}">
+                <a16:creationId xmlns:a16="http://schemas.microsoft.com/office/drawing/2014/main" id="{2EBA3D2B-B3A1-408A-781C-A9497C206EB4}"/>
+              </a:ext>
+            </a:extLst>
+          </p:cNvPr>
+          <p:cNvSpPr txBox="1"/>
+          <p:nvPr/>
+        </p:nvSpPr>
+        <p:spPr>
+          <a:xfrm>
+            <a:off x="1959429" y="6353299"/>
+            <a:ext cx="7236148" cy="369332"/>
+          </a:xfrm>
+          <a:prstGeom prst="rect">
+            <a:avLst/>
+          </a:prstGeom>
+          <a:noFill/>
+        </p:spPr>
+        <p:txBody>
+          <a:bodyPr wrap="none" rtlCol="0">
+            <a:spAutoFit/>
+          </a:bodyPr>
+          <a:lstStyle/>
+          <a:p>
+            <a:r>
+              <a:rPr lang="en-US" dirty="0"/>
+              <a:t>https://</a:t>
+            </a:r>
+            <a:r>
+              <a:rPr lang="en-US" dirty="0" err="1"/>
+              <a:t>dmccreary.github.io</a:t>
+            </a:r>
+            <a:r>
+              <a:rPr lang="en-US" dirty="0"/>
+              <a:t>/claude-skills/sims/graph-viewer/</a:t>
+            </a:r>
+            <a:r>
+              <a:rPr lang="en-US" dirty="0" err="1"/>
+              <a:t>main.html</a:t>
+            </a:r>
+            <a:endParaRPr lang="en-US" dirty="0"/>
+          </a:p>
+        </p:txBody>
+      </p:sp>
+    </p:spTree>
+    <p:extLst>
+      <p:ext uri="{BB962C8B-B14F-4D97-AF65-F5344CB8AC3E}">
+        <p14:creationId xmlns:p14="http://schemas.microsoft.com/office/powerpoint/2010/main" val="730061816"/>
       </p:ext>
     </p:extLst>
   </p:cSld>
